--- a/presentation/FinalPresentation.pptx
+++ b/presentation/FinalPresentation.pptx
@@ -6790,7 +6790,7 @@
         </p:nvSpPr>
         <p:spPr>
           <a:xfrm>
-            <a:off x="3048000" y="3560020"/>
+            <a:off x="2786743" y="4944130"/>
             <a:ext cx="6096000" cy="369332"/>
           </a:xfrm>
           <a:prstGeom prst="rect">
@@ -6804,10 +6804,7 @@
           </a:bodyPr>
           <a:lstStyle/>
           <a:p>
-            <a:r>
-              <a:rPr lang="en-GR" dirty="0"/>
-              <a:t>https://github.com/TzannetosGiannis/Socituri_Decentralot</a:t>
-            </a:r>
+            <a:endParaRPr lang="en-GR" dirty="0"/>
           </a:p>
         </p:txBody>
       </p:sp>
